--- a/docs/diagrams/StorageComponentClassDiagram.pptx
+++ b/docs/diagrams/StorageComponentClassDiagram.pptx
@@ -208,7 +208,7 @@
           <a:p>
             <a:fld id="{F5CC4B3F-88C1-4FFA-B1B6-F41C21DC6924}" type="datetimeFigureOut">
               <a:rPr lang="en-US" smtClean="0"/>
-              <a:t>12/1/2018</a:t>
+              <a:t>3/17/2019</a:t>
             </a:fld>
             <a:endParaRPr lang="en-US"/>
           </a:p>
@@ -654,7 +654,7 @@
           <a:p>
             <a:fld id="{78C97017-6FC3-485B-9764-EAC9E56C1D49}" type="datetimeFigureOut">
               <a:rPr lang="en-US" smtClean="0"/>
-              <a:t>12/1/2018</a:t>
+              <a:t>3/17/2019</a:t>
             </a:fld>
             <a:endParaRPr lang="en-US"/>
           </a:p>
@@ -822,7 +822,7 @@
           <a:p>
             <a:fld id="{78C97017-6FC3-485B-9764-EAC9E56C1D49}" type="datetimeFigureOut">
               <a:rPr lang="en-US" smtClean="0"/>
-              <a:t>12/1/2018</a:t>
+              <a:t>3/17/2019</a:t>
             </a:fld>
             <a:endParaRPr lang="en-US"/>
           </a:p>
@@ -1000,7 +1000,7 @@
           <a:p>
             <a:fld id="{78C97017-6FC3-485B-9764-EAC9E56C1D49}" type="datetimeFigureOut">
               <a:rPr lang="en-US" smtClean="0"/>
-              <a:t>12/1/2018</a:t>
+              <a:t>3/17/2019</a:t>
             </a:fld>
             <a:endParaRPr lang="en-US"/>
           </a:p>
@@ -1168,7 +1168,7 @@
           <a:p>
             <a:fld id="{78C97017-6FC3-485B-9764-EAC9E56C1D49}" type="datetimeFigureOut">
               <a:rPr lang="en-US" smtClean="0"/>
-              <a:t>12/1/2018</a:t>
+              <a:t>3/17/2019</a:t>
             </a:fld>
             <a:endParaRPr lang="en-US"/>
           </a:p>
@@ -1413,7 +1413,7 @@
           <a:p>
             <a:fld id="{78C97017-6FC3-485B-9764-EAC9E56C1D49}" type="datetimeFigureOut">
               <a:rPr lang="en-US" smtClean="0"/>
-              <a:t>12/1/2018</a:t>
+              <a:t>3/17/2019</a:t>
             </a:fld>
             <a:endParaRPr lang="en-US"/>
           </a:p>
@@ -1698,7 +1698,7 @@
           <a:p>
             <a:fld id="{78C97017-6FC3-485B-9764-EAC9E56C1D49}" type="datetimeFigureOut">
               <a:rPr lang="en-US" smtClean="0"/>
-              <a:t>12/1/2018</a:t>
+              <a:t>3/17/2019</a:t>
             </a:fld>
             <a:endParaRPr lang="en-US"/>
           </a:p>
@@ -2117,7 +2117,7 @@
           <a:p>
             <a:fld id="{78C97017-6FC3-485B-9764-EAC9E56C1D49}" type="datetimeFigureOut">
               <a:rPr lang="en-US" smtClean="0"/>
-              <a:t>12/1/2018</a:t>
+              <a:t>3/17/2019</a:t>
             </a:fld>
             <a:endParaRPr lang="en-US"/>
           </a:p>
@@ -2234,7 +2234,7 @@
           <a:p>
             <a:fld id="{78C97017-6FC3-485B-9764-EAC9E56C1D49}" type="datetimeFigureOut">
               <a:rPr lang="en-US" smtClean="0"/>
-              <a:t>12/1/2018</a:t>
+              <a:t>3/17/2019</a:t>
             </a:fld>
             <a:endParaRPr lang="en-US"/>
           </a:p>
@@ -2329,7 +2329,7 @@
           <a:p>
             <a:fld id="{78C97017-6FC3-485B-9764-EAC9E56C1D49}" type="datetimeFigureOut">
               <a:rPr lang="en-US" smtClean="0"/>
-              <a:t>12/1/2018</a:t>
+              <a:t>3/17/2019</a:t>
             </a:fld>
             <a:endParaRPr lang="en-US"/>
           </a:p>
@@ -2604,7 +2604,7 @@
           <a:p>
             <a:fld id="{78C97017-6FC3-485B-9764-EAC9E56C1D49}" type="datetimeFigureOut">
               <a:rPr lang="en-US" smtClean="0"/>
-              <a:t>12/1/2018</a:t>
+              <a:t>3/17/2019</a:t>
             </a:fld>
             <a:endParaRPr lang="en-US"/>
           </a:p>
@@ -2856,7 +2856,7 @@
           <a:p>
             <a:fld id="{78C97017-6FC3-485B-9764-EAC9E56C1D49}" type="datetimeFigureOut">
               <a:rPr lang="en-US" smtClean="0"/>
-              <a:t>12/1/2018</a:t>
+              <a:t>3/17/2019</a:t>
             </a:fld>
             <a:endParaRPr lang="en-US"/>
           </a:p>
@@ -3067,7 +3067,7 @@
           <a:p>
             <a:fld id="{78C97017-6FC3-485B-9764-EAC9E56C1D49}" type="datetimeFigureOut">
               <a:rPr lang="en-US" smtClean="0"/>
-              <a:t>12/1/2018</a:t>
+              <a:t>3/17/2019</a:t>
             </a:fld>
             <a:endParaRPr lang="en-US"/>
           </a:p>
@@ -3450,8 +3450,8 @@
         </p:nvSpPr>
         <p:spPr>
           <a:xfrm>
-            <a:off x="1119865" y="2086382"/>
-            <a:ext cx="7871735" cy="1723618"/>
+            <a:off x="494222" y="2138519"/>
+            <a:ext cx="8534400" cy="3080918"/>
           </a:xfrm>
           <a:prstGeom prst="roundRect">
             <a:avLst>
@@ -3515,8 +3515,8 @@
         </p:nvSpPr>
         <p:spPr>
           <a:xfrm>
-            <a:off x="2877180" y="3158440"/>
-            <a:ext cx="1323049" cy="346760"/>
+            <a:off x="2267579" y="3158440"/>
+            <a:ext cx="1385756" cy="346760"/>
           </a:xfrm>
           <a:prstGeom prst="rect">
             <a:avLst/>
@@ -3575,7 +3575,7 @@
                   <a:schemeClr val="bg1"/>
                 </a:solidFill>
               </a:rPr>
-              <a:t>AddressBookStorage</a:t>
+              <a:t>PocketProjectStorage</a:t>
             </a:r>
             <a:endParaRPr lang="en-SG" sz="1050" dirty="0">
               <a:solidFill>
@@ -3593,7 +3593,7 @@
         </p:nvSpPr>
         <p:spPr>
           <a:xfrm rot="16200000">
-            <a:off x="1683963" y="2868687"/>
+            <a:off x="1074362" y="2868687"/>
             <a:ext cx="1093635" cy="346760"/>
           </a:xfrm>
           <a:prstGeom prst="rect">
@@ -3656,7 +3656,7 @@
         </p:nvSpPr>
         <p:spPr>
           <a:xfrm rot="16200000">
-            <a:off x="956202" y="2861202"/>
+            <a:off x="346601" y="2861202"/>
             <a:ext cx="1093635" cy="346760"/>
           </a:xfrm>
           <a:prstGeom prst="rect">
@@ -3730,7 +3730,7 @@
         </p:nvSpPr>
         <p:spPr>
           <a:xfrm rot="16200000">
-            <a:off x="1626910" y="2952291"/>
+            <a:off x="1017309" y="2952291"/>
             <a:ext cx="270504" cy="175523"/>
           </a:xfrm>
           <a:prstGeom prst="triangle">
@@ -3781,6 +3781,7 @@
         <p:nvCxnSpPr>
           <p:cNvPr id="58" name="Straight Arrow Connector 57"/>
           <p:cNvCxnSpPr>
+            <a:cxnSpLocks/>
             <a:stCxn id="42" idx="3"/>
             <a:endCxn id="2" idx="1"/>
           </p:cNvCxnSpPr>
@@ -3788,7 +3789,7 @@
         </p:nvCxnSpPr>
         <p:spPr>
           <a:xfrm>
-            <a:off x="2656370" y="3326536"/>
+            <a:off x="2046769" y="3326536"/>
             <a:ext cx="220810" cy="5284"/>
           </a:xfrm>
           <a:prstGeom prst="straightConnector1">
@@ -3828,7 +3829,7 @@
         </p:nvCxnSpPr>
         <p:spPr>
           <a:xfrm>
-            <a:off x="910091" y="3040053"/>
+            <a:off x="300490" y="3040053"/>
             <a:ext cx="419548" cy="2860"/>
           </a:xfrm>
           <a:prstGeom prst="bentConnector3">
@@ -3873,7 +3874,7 @@
         </p:nvCxnSpPr>
         <p:spPr>
           <a:xfrm flipV="1">
-            <a:off x="1849924" y="3040052"/>
+            <a:off x="1240323" y="3040052"/>
             <a:ext cx="216105" cy="1"/>
           </a:xfrm>
           <a:prstGeom prst="line">
@@ -3914,7 +3915,7 @@
         </p:nvSpPr>
         <p:spPr>
           <a:xfrm>
-            <a:off x="2420322" y="3239846"/>
+            <a:off x="1810721" y="3239846"/>
             <a:ext cx="236048" cy="173380"/>
           </a:xfrm>
           <a:prstGeom prst="flowChartDecision">
@@ -3961,6 +3962,7 @@
         <p:nvCxnSpPr>
           <p:cNvPr id="97" name="Elbow Connector 63"/>
           <p:cNvCxnSpPr>
+            <a:cxnSpLocks/>
             <a:stCxn id="99" idx="3"/>
             <a:endCxn id="50" idx="1"/>
           </p:cNvCxnSpPr>
@@ -3968,7 +3970,7 @@
         </p:nvCxnSpPr>
         <p:spPr>
           <a:xfrm flipV="1">
-            <a:off x="4398041" y="3331820"/>
+            <a:off x="3788440" y="3331820"/>
             <a:ext cx="223324" cy="1"/>
           </a:xfrm>
           <a:prstGeom prst="bentConnector3">
@@ -4011,7 +4013,7 @@
         </p:nvSpPr>
         <p:spPr>
           <a:xfrm rot="5400000" flipV="1">
-            <a:off x="4175027" y="3244059"/>
+            <a:off x="3565426" y="3244059"/>
             <a:ext cx="270504" cy="175523"/>
           </a:xfrm>
           <a:prstGeom prst="triangle">
@@ -4062,6 +4064,7 @@
         <p:nvCxnSpPr>
           <p:cNvPr id="124" name="Elbow Connector 122"/>
           <p:cNvCxnSpPr>
+            <a:cxnSpLocks/>
             <a:stCxn id="50" idx="3"/>
             <a:endCxn id="66" idx="1"/>
           </p:cNvCxnSpPr>
@@ -4069,8 +4072,8 @@
         </p:nvCxnSpPr>
         <p:spPr>
           <a:xfrm>
-            <a:off x="5791200" y="3331820"/>
-            <a:ext cx="228600" cy="1970"/>
+            <a:off x="5282791" y="3331820"/>
+            <a:ext cx="416166" cy="1970"/>
           </a:xfrm>
           <a:prstGeom prst="bentConnector3">
             <a:avLst>
@@ -4112,8 +4115,8 @@
         </p:nvSpPr>
         <p:spPr>
           <a:xfrm>
-            <a:off x="4621365" y="3158440"/>
-            <a:ext cx="1169835" cy="346760"/>
+            <a:off x="4011764" y="3158440"/>
+            <a:ext cx="1271027" cy="346760"/>
           </a:xfrm>
           <a:prstGeom prst="rect">
             <a:avLst/>
@@ -4148,7 +4151,7 @@
                   </a:schemeClr>
                 </a:solidFill>
               </a:rPr>
-              <a:t>JsonAddressBook</a:t>
+              <a:t>JsonPocketProject</a:t>
             </a:r>
             <a:br>
               <a:rPr lang="en-US" sz="1050" b="1" dirty="0">
@@ -4187,7 +4190,7 @@
         </p:nvSpPr>
         <p:spPr>
           <a:xfrm>
-            <a:off x="2873943" y="2558040"/>
+            <a:off x="2264342" y="2558040"/>
             <a:ext cx="1323049" cy="346760"/>
           </a:xfrm>
           <a:prstGeom prst="rect">
@@ -4268,7 +4271,7 @@
         </p:nvCxnSpPr>
         <p:spPr>
           <a:xfrm>
-            <a:off x="2653133" y="2726136"/>
+            <a:off x="2043532" y="2726136"/>
             <a:ext cx="220810" cy="5284"/>
           </a:xfrm>
           <a:prstGeom prst="straightConnector1">
@@ -4308,7 +4311,7 @@
         </p:nvSpPr>
         <p:spPr>
           <a:xfrm>
-            <a:off x="2417085" y="2639446"/>
+            <a:off x="1807484" y="2639446"/>
             <a:ext cx="236048" cy="173380"/>
           </a:xfrm>
           <a:prstGeom prst="flowChartDecision">
@@ -4362,7 +4365,7 @@
         </p:nvCxnSpPr>
         <p:spPr>
           <a:xfrm flipV="1">
-            <a:off x="4394804" y="2731420"/>
+            <a:off x="3785203" y="2731420"/>
             <a:ext cx="223324" cy="1"/>
           </a:xfrm>
           <a:prstGeom prst="bentConnector3">
@@ -4405,7 +4408,7 @@
         </p:nvSpPr>
         <p:spPr>
           <a:xfrm rot="5400000" flipV="1">
-            <a:off x="4171790" y="2643659"/>
+            <a:off x="3562189" y="2643659"/>
             <a:ext cx="270504" cy="175523"/>
           </a:xfrm>
           <a:prstGeom prst="triangle">
@@ -4460,7 +4463,7 @@
         </p:nvSpPr>
         <p:spPr>
           <a:xfrm>
-            <a:off x="4618128" y="2558040"/>
+            <a:off x="4008527" y="2558040"/>
             <a:ext cx="1093635" cy="346760"/>
           </a:xfrm>
           <a:prstGeom prst="rect">
@@ -4538,7 +4541,7 @@
         </p:nvSpPr>
         <p:spPr>
           <a:xfrm>
-            <a:off x="6019800" y="3160410"/>
+            <a:off x="5698957" y="3160410"/>
             <a:ext cx="1200707" cy="346760"/>
           </a:xfrm>
           <a:prstGeom prst="rect">
@@ -4593,7 +4596,7 @@
                   </a:schemeClr>
                 </a:solidFill>
               </a:rPr>
-              <a:t>AddressBook</a:t>
+              <a:t>PocketProject</a:t>
             </a:r>
             <a:endParaRPr lang="en-SG" sz="1050" b="1" dirty="0">
               <a:solidFill>
@@ -4617,8 +4620,8 @@
         </p:nvCxnSpPr>
         <p:spPr>
           <a:xfrm rot="16200000" flipV="1">
-            <a:off x="8077993" y="2992019"/>
-            <a:ext cx="335208" cy="1"/>
+            <a:off x="7862109" y="2962707"/>
+            <a:ext cx="390076" cy="3758"/>
           </a:xfrm>
           <a:prstGeom prst="bentConnector3">
             <a:avLst>
@@ -4655,8 +4658,8 @@
         </p:nvSpPr>
         <p:spPr>
           <a:xfrm>
-            <a:off x="7615736" y="2477656"/>
-            <a:ext cx="1259719" cy="346760"/>
+            <a:off x="7291136" y="2422788"/>
+            <a:ext cx="1528264" cy="346760"/>
           </a:xfrm>
           <a:prstGeom prst="rect">
             <a:avLst/>
@@ -4691,7 +4694,7 @@
                   </a:schemeClr>
                 </a:solidFill>
               </a:rPr>
-              <a:t>JsonAdaptedTag</a:t>
+              <a:t>JsonAdaptedSkill</a:t>
             </a:r>
             <a:endParaRPr lang="en-SG" sz="1050" b="1" dirty="0">
               <a:solidFill>
@@ -4711,8 +4714,8 @@
         </p:nvSpPr>
         <p:spPr>
           <a:xfrm>
-            <a:off x="7615738" y="3159624"/>
-            <a:ext cx="1259718" cy="346760"/>
+            <a:off x="7294894" y="3159624"/>
+            <a:ext cx="1528264" cy="346760"/>
           </a:xfrm>
           <a:prstGeom prst="rect">
             <a:avLst/>
@@ -4747,7 +4750,7 @@
                   </a:schemeClr>
                 </a:solidFill>
               </a:rPr>
-              <a:t>JsonAdaptedPerson</a:t>
+              <a:t>JsonAdaptedEmployee</a:t>
             </a:r>
             <a:endParaRPr lang="en-SG" sz="1030" b="1" dirty="0">
               <a:solidFill>
@@ -4763,6 +4766,7 @@
         <p:nvCxnSpPr>
           <p:cNvPr id="77" name="Elbow Connector 122"/>
           <p:cNvCxnSpPr>
+            <a:cxnSpLocks/>
             <a:stCxn id="66" idx="3"/>
             <a:endCxn id="74" idx="1"/>
           </p:cNvCxnSpPr>
@@ -4770,8 +4774,274 @@
         </p:nvCxnSpPr>
         <p:spPr>
           <a:xfrm flipV="1">
-            <a:off x="7220507" y="3333004"/>
-            <a:ext cx="395231" cy="786"/>
+            <a:off x="6899664" y="3333004"/>
+            <a:ext cx="395230" cy="786"/>
+          </a:xfrm>
+          <a:prstGeom prst="bentConnector3">
+            <a:avLst>
+              <a:gd name="adj1" fmla="val 50000"/>
+            </a:avLst>
+          </a:prstGeom>
+          <a:ln w="19050">
+            <a:prstDash val="sysDot"/>
+            <a:headEnd type="none" w="med" len="med"/>
+            <a:tailEnd type="arrow" w="med" len="med"/>
+          </a:ln>
+          <a:effectLst/>
+        </p:spPr>
+        <p:style>
+          <a:lnRef idx="1">
+            <a:schemeClr val="accent6"/>
+          </a:lnRef>
+          <a:fillRef idx="2">
+            <a:schemeClr val="accent6"/>
+          </a:fillRef>
+          <a:effectRef idx="1">
+            <a:schemeClr val="accent6"/>
+          </a:effectRef>
+          <a:fontRef idx="minor">
+            <a:schemeClr val="dk1"/>
+          </a:fontRef>
+        </p:style>
+      </p:cxnSp>
+      <p:sp>
+        <p:nvSpPr>
+          <p:cNvPr id="34" name="Rectangle 8">
+            <a:extLst>
+              <a:ext uri="{FF2B5EF4-FFF2-40B4-BE49-F238E27FC236}">
+                <a16:creationId xmlns:a16="http://schemas.microsoft.com/office/drawing/2014/main" id="{258582AA-1966-4A48-AB2A-2EA7F5851F49}"/>
+              </a:ext>
+            </a:extLst>
+          </p:cNvPr>
+          <p:cNvSpPr/>
+          <p:nvPr/>
+        </p:nvSpPr>
+        <p:spPr>
+          <a:xfrm>
+            <a:off x="7291136" y="3907257"/>
+            <a:ext cx="1528264" cy="346760"/>
+          </a:xfrm>
+          <a:prstGeom prst="rect">
+            <a:avLst/>
+          </a:prstGeom>
+          <a:ln w="19050"/>
+          <a:effectLst/>
+        </p:spPr>
+        <p:style>
+          <a:lnRef idx="1">
+            <a:schemeClr val="accent6"/>
+          </a:lnRef>
+          <a:fillRef idx="2">
+            <a:schemeClr val="accent6"/>
+          </a:fillRef>
+          <a:effectRef idx="1">
+            <a:schemeClr val="accent6"/>
+          </a:effectRef>
+          <a:fontRef idx="minor">
+            <a:schemeClr val="dk1"/>
+          </a:fontRef>
+        </p:style>
+        <p:txBody>
+          <a:bodyPr rtlCol="0" anchor="ctr"/>
+          <a:lstStyle/>
+          <a:p>
+            <a:pPr algn="ctr"/>
+            <a:r>
+              <a:rPr lang="en-US" sz="1030" b="1" dirty="0" err="1">
+                <a:solidFill>
+                  <a:schemeClr val="accent6">
+                    <a:lumMod val="75000"/>
+                  </a:schemeClr>
+                </a:solidFill>
+              </a:rPr>
+              <a:t>JsonAdaptedProject</a:t>
+            </a:r>
+            <a:endParaRPr lang="en-SG" sz="1030" b="1" dirty="0">
+              <a:solidFill>
+                <a:schemeClr val="accent6">
+                  <a:lumMod val="75000"/>
+                </a:schemeClr>
+              </a:solidFill>
+            </a:endParaRPr>
+          </a:p>
+        </p:txBody>
+      </p:sp>
+      <p:cxnSp>
+        <p:nvCxnSpPr>
+          <p:cNvPr id="35" name="Elbow Connector 122">
+            <a:extLst>
+              <a:ext uri="{FF2B5EF4-FFF2-40B4-BE49-F238E27FC236}">
+                <a16:creationId xmlns:a16="http://schemas.microsoft.com/office/drawing/2014/main" id="{291766DB-3CB0-4AC1-9FA4-DD6D52119C00}"/>
+              </a:ext>
+            </a:extLst>
+          </p:cNvPr>
+          <p:cNvCxnSpPr>
+            <a:cxnSpLocks/>
+            <a:stCxn id="66" idx="2"/>
+            <a:endCxn id="34" idx="1"/>
+          </p:cNvCxnSpPr>
+          <p:nvPr/>
+        </p:nvCxnSpPr>
+        <p:spPr>
+          <a:xfrm rot="16200000" flipH="1">
+            <a:off x="6508490" y="3297990"/>
+            <a:ext cx="573467" cy="991825"/>
+          </a:xfrm>
+          <a:prstGeom prst="bentConnector2">
+            <a:avLst/>
+          </a:prstGeom>
+          <a:ln w="19050">
+            <a:prstDash val="sysDot"/>
+            <a:headEnd type="none" w="med" len="med"/>
+            <a:tailEnd type="arrow" w="med" len="med"/>
+          </a:ln>
+          <a:effectLst/>
+        </p:spPr>
+        <p:style>
+          <a:lnRef idx="1">
+            <a:schemeClr val="accent6"/>
+          </a:lnRef>
+          <a:fillRef idx="2">
+            <a:schemeClr val="accent6"/>
+          </a:fillRef>
+          <a:effectRef idx="1">
+            <a:schemeClr val="accent6"/>
+          </a:effectRef>
+          <a:fontRef idx="minor">
+            <a:schemeClr val="dk1"/>
+          </a:fontRef>
+        </p:style>
+      </p:cxnSp>
+      <p:sp>
+        <p:nvSpPr>
+          <p:cNvPr id="43" name="Rectangle 8">
+            <a:extLst>
+              <a:ext uri="{FF2B5EF4-FFF2-40B4-BE49-F238E27FC236}">
+                <a16:creationId xmlns:a16="http://schemas.microsoft.com/office/drawing/2014/main" id="{F5D84B7F-FCDF-4CDD-B62D-088C8303281D}"/>
+              </a:ext>
+            </a:extLst>
+          </p:cNvPr>
+          <p:cNvSpPr/>
+          <p:nvPr/>
+        </p:nvSpPr>
+        <p:spPr>
+          <a:xfrm>
+            <a:off x="7291136" y="4650625"/>
+            <a:ext cx="1548064" cy="346760"/>
+          </a:xfrm>
+          <a:prstGeom prst="rect">
+            <a:avLst/>
+          </a:prstGeom>
+          <a:ln w="19050"/>
+          <a:effectLst/>
+        </p:spPr>
+        <p:style>
+          <a:lnRef idx="1">
+            <a:schemeClr val="accent6"/>
+          </a:lnRef>
+          <a:fillRef idx="2">
+            <a:schemeClr val="accent6"/>
+          </a:fillRef>
+          <a:effectRef idx="1">
+            <a:schemeClr val="accent6"/>
+          </a:effectRef>
+          <a:fontRef idx="minor">
+            <a:schemeClr val="dk1"/>
+          </a:fontRef>
+        </p:style>
+        <p:txBody>
+          <a:bodyPr rtlCol="0" anchor="ctr"/>
+          <a:lstStyle/>
+          <a:p>
+            <a:pPr algn="ctr"/>
+            <a:r>
+              <a:rPr lang="en-US" sz="1050" b="1" dirty="0" err="1">
+                <a:solidFill>
+                  <a:schemeClr val="accent6">
+                    <a:lumMod val="75000"/>
+                  </a:schemeClr>
+                </a:solidFill>
+              </a:rPr>
+              <a:t>JsonAdaptedMileStone</a:t>
+            </a:r>
+            <a:endParaRPr lang="en-SG" sz="1050" b="1" dirty="0">
+              <a:solidFill>
+                <a:schemeClr val="accent6">
+                  <a:lumMod val="75000"/>
+                </a:schemeClr>
+              </a:solidFill>
+            </a:endParaRPr>
+          </a:p>
+        </p:txBody>
+      </p:sp>
+      <p:cxnSp>
+        <p:nvCxnSpPr>
+          <p:cNvPr id="53" name="Elbow Connector 122">
+            <a:extLst>
+              <a:ext uri="{FF2B5EF4-FFF2-40B4-BE49-F238E27FC236}">
+                <a16:creationId xmlns:a16="http://schemas.microsoft.com/office/drawing/2014/main" id="{4A366DEF-EBD9-463B-8BCE-F06C823CE00E}"/>
+              </a:ext>
+            </a:extLst>
+          </p:cNvPr>
+          <p:cNvCxnSpPr>
+            <a:cxnSpLocks/>
+            <a:stCxn id="34" idx="2"/>
+            <a:endCxn id="43" idx="0"/>
+          </p:cNvCxnSpPr>
+          <p:nvPr/>
+        </p:nvCxnSpPr>
+        <p:spPr>
+          <a:xfrm rot="16200000" flipH="1">
+            <a:off x="7861914" y="4447371"/>
+            <a:ext cx="396608" cy="9900"/>
+          </a:xfrm>
+          <a:prstGeom prst="bentConnector3">
+            <a:avLst>
+              <a:gd name="adj1" fmla="val 50000"/>
+            </a:avLst>
+          </a:prstGeom>
+          <a:ln w="19050">
+            <a:prstDash val="sysDot"/>
+            <a:headEnd type="none" w="med" len="med"/>
+            <a:tailEnd type="arrow" w="med" len="med"/>
+          </a:ln>
+          <a:effectLst/>
+        </p:spPr>
+        <p:style>
+          <a:lnRef idx="1">
+            <a:schemeClr val="accent6"/>
+          </a:lnRef>
+          <a:fillRef idx="2">
+            <a:schemeClr val="accent6"/>
+          </a:fillRef>
+          <a:effectRef idx="1">
+            <a:schemeClr val="accent6"/>
+          </a:effectRef>
+          <a:fontRef idx="minor">
+            <a:schemeClr val="dk1"/>
+          </a:fontRef>
+        </p:style>
+      </p:cxnSp>
+      <p:cxnSp>
+        <p:nvCxnSpPr>
+          <p:cNvPr id="78" name="Elbow Connector 122">
+            <a:extLst>
+              <a:ext uri="{FF2B5EF4-FFF2-40B4-BE49-F238E27FC236}">
+                <a16:creationId xmlns:a16="http://schemas.microsoft.com/office/drawing/2014/main" id="{D0EFD287-6CF3-4D72-913C-1B99D2F5A67D}"/>
+              </a:ext>
+            </a:extLst>
+          </p:cNvPr>
+          <p:cNvCxnSpPr>
+            <a:cxnSpLocks/>
+            <a:stCxn id="34" idx="0"/>
+            <a:endCxn id="74" idx="2"/>
+          </p:cNvCxnSpPr>
+          <p:nvPr/>
+        </p:nvCxnSpPr>
+        <p:spPr>
+          <a:xfrm rot="5400000" flipH="1" flipV="1">
+            <a:off x="7856711" y="3704942"/>
+            <a:ext cx="400873" cy="3758"/>
           </a:xfrm>
           <a:prstGeom prst="bentConnector3">
             <a:avLst>

--- a/docs/diagrams/StorageComponentClassDiagram.pptx
+++ b/docs/diagrams/StorageComponentClassDiagram.pptx
@@ -208,7 +208,7 @@
           <a:p>
             <a:fld id="{F5CC4B3F-88C1-4FFA-B1B6-F41C21DC6924}" type="datetimeFigureOut">
               <a:rPr lang="en-US" smtClean="0"/>
-              <a:t>3/17/2019</a:t>
+              <a:t>3/31/2019</a:t>
             </a:fld>
             <a:endParaRPr lang="en-US"/>
           </a:p>
@@ -654,7 +654,7 @@
           <a:p>
             <a:fld id="{78C97017-6FC3-485B-9764-EAC9E56C1D49}" type="datetimeFigureOut">
               <a:rPr lang="en-US" smtClean="0"/>
-              <a:t>3/17/2019</a:t>
+              <a:t>3/31/2019</a:t>
             </a:fld>
             <a:endParaRPr lang="en-US"/>
           </a:p>
@@ -822,7 +822,7 @@
           <a:p>
             <a:fld id="{78C97017-6FC3-485B-9764-EAC9E56C1D49}" type="datetimeFigureOut">
               <a:rPr lang="en-US" smtClean="0"/>
-              <a:t>3/17/2019</a:t>
+              <a:t>3/31/2019</a:t>
             </a:fld>
             <a:endParaRPr lang="en-US"/>
           </a:p>
@@ -1000,7 +1000,7 @@
           <a:p>
             <a:fld id="{78C97017-6FC3-485B-9764-EAC9E56C1D49}" type="datetimeFigureOut">
               <a:rPr lang="en-US" smtClean="0"/>
-              <a:t>3/17/2019</a:t>
+              <a:t>3/31/2019</a:t>
             </a:fld>
             <a:endParaRPr lang="en-US"/>
           </a:p>
@@ -1168,7 +1168,7 @@
           <a:p>
             <a:fld id="{78C97017-6FC3-485B-9764-EAC9E56C1D49}" type="datetimeFigureOut">
               <a:rPr lang="en-US" smtClean="0"/>
-              <a:t>3/17/2019</a:t>
+              <a:t>3/31/2019</a:t>
             </a:fld>
             <a:endParaRPr lang="en-US"/>
           </a:p>
@@ -1413,7 +1413,7 @@
           <a:p>
             <a:fld id="{78C97017-6FC3-485B-9764-EAC9E56C1D49}" type="datetimeFigureOut">
               <a:rPr lang="en-US" smtClean="0"/>
-              <a:t>3/17/2019</a:t>
+              <a:t>3/31/2019</a:t>
             </a:fld>
             <a:endParaRPr lang="en-US"/>
           </a:p>
@@ -1698,7 +1698,7 @@
           <a:p>
             <a:fld id="{78C97017-6FC3-485B-9764-EAC9E56C1D49}" type="datetimeFigureOut">
               <a:rPr lang="en-US" smtClean="0"/>
-              <a:t>3/17/2019</a:t>
+              <a:t>3/31/2019</a:t>
             </a:fld>
             <a:endParaRPr lang="en-US"/>
           </a:p>
@@ -2117,7 +2117,7 @@
           <a:p>
             <a:fld id="{78C97017-6FC3-485B-9764-EAC9E56C1D49}" type="datetimeFigureOut">
               <a:rPr lang="en-US" smtClean="0"/>
-              <a:t>3/17/2019</a:t>
+              <a:t>3/31/2019</a:t>
             </a:fld>
             <a:endParaRPr lang="en-US"/>
           </a:p>
@@ -2234,7 +2234,7 @@
           <a:p>
             <a:fld id="{78C97017-6FC3-485B-9764-EAC9E56C1D49}" type="datetimeFigureOut">
               <a:rPr lang="en-US" smtClean="0"/>
-              <a:t>3/17/2019</a:t>
+              <a:t>3/31/2019</a:t>
             </a:fld>
             <a:endParaRPr lang="en-US"/>
           </a:p>
@@ -2329,7 +2329,7 @@
           <a:p>
             <a:fld id="{78C97017-6FC3-485B-9764-EAC9E56C1D49}" type="datetimeFigureOut">
               <a:rPr lang="en-US" smtClean="0"/>
-              <a:t>3/17/2019</a:t>
+              <a:t>3/31/2019</a:t>
             </a:fld>
             <a:endParaRPr lang="en-US"/>
           </a:p>
@@ -2604,7 +2604,7 @@
           <a:p>
             <a:fld id="{78C97017-6FC3-485B-9764-EAC9E56C1D49}" type="datetimeFigureOut">
               <a:rPr lang="en-US" smtClean="0"/>
-              <a:t>3/17/2019</a:t>
+              <a:t>3/31/2019</a:t>
             </a:fld>
             <a:endParaRPr lang="en-US"/>
           </a:p>
@@ -2856,7 +2856,7 @@
           <a:p>
             <a:fld id="{78C97017-6FC3-485B-9764-EAC9E56C1D49}" type="datetimeFigureOut">
               <a:rPr lang="en-US" smtClean="0"/>
-              <a:t>3/17/2019</a:t>
+              <a:t>3/31/2019</a:t>
             </a:fld>
             <a:endParaRPr lang="en-US"/>
           </a:p>
@@ -3067,7 +3067,7 @@
           <a:p>
             <a:fld id="{78C97017-6FC3-485B-9764-EAC9E56C1D49}" type="datetimeFigureOut">
               <a:rPr lang="en-US" smtClean="0"/>
-              <a:t>3/17/2019</a:t>
+              <a:t>3/31/2019</a:t>
             </a:fld>
             <a:endParaRPr lang="en-US"/>
           </a:p>
@@ -4818,7 +4818,7 @@
         </p:nvSpPr>
         <p:spPr>
           <a:xfrm>
-            <a:off x="7291136" y="3907257"/>
+            <a:off x="6507954" y="4016150"/>
             <a:ext cx="1528264" cy="346760"/>
           </a:xfrm>
           <a:prstGeom prst="rect">
@@ -4884,8 +4884,8 @@
         </p:nvCxnSpPr>
         <p:spPr>
           <a:xfrm rot="16200000" flipH="1">
-            <a:off x="6508490" y="3297990"/>
-            <a:ext cx="573467" cy="991825"/>
+            <a:off x="6062452" y="3744028"/>
+            <a:ext cx="682360" cy="208643"/>
           </a:xfrm>
           <a:prstGeom prst="bentConnector2">
             <a:avLst/>
@@ -4926,7 +4926,7 @@
         </p:nvSpPr>
         <p:spPr>
           <a:xfrm>
-            <a:off x="7291136" y="4650625"/>
+            <a:off x="7311544" y="4701238"/>
             <a:ext cx="1548064" cy="346760"/>
           </a:xfrm>
           <a:prstGeom prst="rect">
@@ -4992,8 +4992,8 @@
         </p:nvCxnSpPr>
         <p:spPr>
           <a:xfrm rot="16200000" flipH="1">
-            <a:off x="7861914" y="4447371"/>
-            <a:ext cx="396608" cy="9900"/>
+            <a:off x="7509667" y="4125329"/>
+            <a:ext cx="338328" cy="813490"/>
           </a:xfrm>
           <a:prstGeom prst="bentConnector3">
             <a:avLst>
@@ -5040,8 +5040,118 @@
         </p:nvCxnSpPr>
         <p:spPr>
           <a:xfrm rot="5400000" flipH="1" flipV="1">
-            <a:off x="7856711" y="3704942"/>
-            <a:ext cx="400873" cy="3758"/>
+            <a:off x="7410673" y="3367797"/>
+            <a:ext cx="509766" cy="786940"/>
+          </a:xfrm>
+          <a:prstGeom prst="bentConnector3">
+            <a:avLst>
+              <a:gd name="adj1" fmla="val 44394"/>
+            </a:avLst>
+          </a:prstGeom>
+          <a:ln w="19050">
+            <a:prstDash val="sysDot"/>
+            <a:headEnd type="none" w="med" len="med"/>
+            <a:tailEnd type="arrow" w="med" len="med"/>
+          </a:ln>
+          <a:effectLst/>
+        </p:spPr>
+        <p:style>
+          <a:lnRef idx="1">
+            <a:schemeClr val="accent6"/>
+          </a:lnRef>
+          <a:fillRef idx="2">
+            <a:schemeClr val="accent6"/>
+          </a:fillRef>
+          <a:effectRef idx="1">
+            <a:schemeClr val="accent6"/>
+          </a:effectRef>
+          <a:fontRef idx="minor">
+            <a:schemeClr val="dk1"/>
+          </a:fontRef>
+        </p:style>
+      </p:cxnSp>
+      <p:sp>
+        <p:nvSpPr>
+          <p:cNvPr id="31" name="Rectangle 8">
+            <a:extLst>
+              <a:ext uri="{FF2B5EF4-FFF2-40B4-BE49-F238E27FC236}">
+                <a16:creationId xmlns:a16="http://schemas.microsoft.com/office/drawing/2014/main" id="{B8319C39-D6DA-48EF-A8B8-F74CEECB7BBB}"/>
+              </a:ext>
+            </a:extLst>
+          </p:cNvPr>
+          <p:cNvSpPr/>
+          <p:nvPr/>
+        </p:nvSpPr>
+        <p:spPr>
+          <a:xfrm>
+            <a:off x="5351600" y="4693769"/>
+            <a:ext cx="1548064" cy="346760"/>
+          </a:xfrm>
+          <a:prstGeom prst="rect">
+            <a:avLst/>
+          </a:prstGeom>
+          <a:ln w="19050"/>
+          <a:effectLst/>
+        </p:spPr>
+        <p:style>
+          <a:lnRef idx="1">
+            <a:schemeClr val="accent6"/>
+          </a:lnRef>
+          <a:fillRef idx="2">
+            <a:schemeClr val="accent6"/>
+          </a:fillRef>
+          <a:effectRef idx="1">
+            <a:schemeClr val="accent6"/>
+          </a:effectRef>
+          <a:fontRef idx="minor">
+            <a:schemeClr val="dk1"/>
+          </a:fontRef>
+        </p:style>
+        <p:txBody>
+          <a:bodyPr rtlCol="0" anchor="ctr"/>
+          <a:lstStyle/>
+          <a:p>
+            <a:pPr algn="ctr"/>
+            <a:r>
+              <a:rPr lang="en-US" sz="1050" b="1" dirty="0" err="1">
+                <a:solidFill>
+                  <a:schemeClr val="accent6">
+                    <a:lumMod val="75000"/>
+                  </a:schemeClr>
+                </a:solidFill>
+              </a:rPr>
+              <a:t>JsonAdaptedUserStories</a:t>
+            </a:r>
+            <a:endParaRPr lang="en-SG" sz="1050" b="1" dirty="0">
+              <a:solidFill>
+                <a:schemeClr val="accent6">
+                  <a:lumMod val="75000"/>
+                </a:schemeClr>
+              </a:solidFill>
+            </a:endParaRPr>
+          </a:p>
+        </p:txBody>
+      </p:sp>
+      <p:cxnSp>
+        <p:nvCxnSpPr>
+          <p:cNvPr id="39" name="Elbow Connector 122">
+            <a:extLst>
+              <a:ext uri="{FF2B5EF4-FFF2-40B4-BE49-F238E27FC236}">
+                <a16:creationId xmlns:a16="http://schemas.microsoft.com/office/drawing/2014/main" id="{A2B52B32-AF10-41A3-9884-18AEC9441AA4}"/>
+              </a:ext>
+            </a:extLst>
+          </p:cNvPr>
+          <p:cNvCxnSpPr>
+            <a:cxnSpLocks/>
+            <a:stCxn id="34" idx="2"/>
+            <a:endCxn id="31" idx="0"/>
+          </p:cNvCxnSpPr>
+          <p:nvPr/>
+        </p:nvCxnSpPr>
+        <p:spPr>
+          <a:xfrm rot="5400000">
+            <a:off x="6533430" y="3955112"/>
+            <a:ext cx="330859" cy="1146454"/>
           </a:xfrm>
           <a:prstGeom prst="bentConnector3">
             <a:avLst>

--- a/docs/diagrams/StorageComponentClassDiagram.pptx
+++ b/docs/diagrams/StorageComponentClassDiagram.pptx
@@ -208,7 +208,7 @@
           <a:p>
             <a:fld id="{F5CC4B3F-88C1-4FFA-B1B6-F41C21DC6924}" type="datetimeFigureOut">
               <a:rPr lang="en-US" smtClean="0"/>
-              <a:t>3/31/2019</a:t>
+              <a:t>4/1/2019</a:t>
             </a:fld>
             <a:endParaRPr lang="en-US"/>
           </a:p>
@@ -654,7 +654,7 @@
           <a:p>
             <a:fld id="{78C97017-6FC3-485B-9764-EAC9E56C1D49}" type="datetimeFigureOut">
               <a:rPr lang="en-US" smtClean="0"/>
-              <a:t>3/31/2019</a:t>
+              <a:t>4/1/2019</a:t>
             </a:fld>
             <a:endParaRPr lang="en-US"/>
           </a:p>
@@ -822,7 +822,7 @@
           <a:p>
             <a:fld id="{78C97017-6FC3-485B-9764-EAC9E56C1D49}" type="datetimeFigureOut">
               <a:rPr lang="en-US" smtClean="0"/>
-              <a:t>3/31/2019</a:t>
+              <a:t>4/1/2019</a:t>
             </a:fld>
             <a:endParaRPr lang="en-US"/>
           </a:p>
@@ -1000,7 +1000,7 @@
           <a:p>
             <a:fld id="{78C97017-6FC3-485B-9764-EAC9E56C1D49}" type="datetimeFigureOut">
               <a:rPr lang="en-US" smtClean="0"/>
-              <a:t>3/31/2019</a:t>
+              <a:t>4/1/2019</a:t>
             </a:fld>
             <a:endParaRPr lang="en-US"/>
           </a:p>
@@ -1168,7 +1168,7 @@
           <a:p>
             <a:fld id="{78C97017-6FC3-485B-9764-EAC9E56C1D49}" type="datetimeFigureOut">
               <a:rPr lang="en-US" smtClean="0"/>
-              <a:t>3/31/2019</a:t>
+              <a:t>4/1/2019</a:t>
             </a:fld>
             <a:endParaRPr lang="en-US"/>
           </a:p>
@@ -1413,7 +1413,7 @@
           <a:p>
             <a:fld id="{78C97017-6FC3-485B-9764-EAC9E56C1D49}" type="datetimeFigureOut">
               <a:rPr lang="en-US" smtClean="0"/>
-              <a:t>3/31/2019</a:t>
+              <a:t>4/1/2019</a:t>
             </a:fld>
             <a:endParaRPr lang="en-US"/>
           </a:p>
@@ -1698,7 +1698,7 @@
           <a:p>
             <a:fld id="{78C97017-6FC3-485B-9764-EAC9E56C1D49}" type="datetimeFigureOut">
               <a:rPr lang="en-US" smtClean="0"/>
-              <a:t>3/31/2019</a:t>
+              <a:t>4/1/2019</a:t>
             </a:fld>
             <a:endParaRPr lang="en-US"/>
           </a:p>
@@ -2117,7 +2117,7 @@
           <a:p>
             <a:fld id="{78C97017-6FC3-485B-9764-EAC9E56C1D49}" type="datetimeFigureOut">
               <a:rPr lang="en-US" smtClean="0"/>
-              <a:t>3/31/2019</a:t>
+              <a:t>4/1/2019</a:t>
             </a:fld>
             <a:endParaRPr lang="en-US"/>
           </a:p>
@@ -2234,7 +2234,7 @@
           <a:p>
             <a:fld id="{78C97017-6FC3-485B-9764-EAC9E56C1D49}" type="datetimeFigureOut">
               <a:rPr lang="en-US" smtClean="0"/>
-              <a:t>3/31/2019</a:t>
+              <a:t>4/1/2019</a:t>
             </a:fld>
             <a:endParaRPr lang="en-US"/>
           </a:p>
@@ -2329,7 +2329,7 @@
           <a:p>
             <a:fld id="{78C97017-6FC3-485B-9764-EAC9E56C1D49}" type="datetimeFigureOut">
               <a:rPr lang="en-US" smtClean="0"/>
-              <a:t>3/31/2019</a:t>
+              <a:t>4/1/2019</a:t>
             </a:fld>
             <a:endParaRPr lang="en-US"/>
           </a:p>
@@ -2604,7 +2604,7 @@
           <a:p>
             <a:fld id="{78C97017-6FC3-485B-9764-EAC9E56C1D49}" type="datetimeFigureOut">
               <a:rPr lang="en-US" smtClean="0"/>
-              <a:t>3/31/2019</a:t>
+              <a:t>4/1/2019</a:t>
             </a:fld>
             <a:endParaRPr lang="en-US"/>
           </a:p>
@@ -2856,7 +2856,7 @@
           <a:p>
             <a:fld id="{78C97017-6FC3-485B-9764-EAC9E56C1D49}" type="datetimeFigureOut">
               <a:rPr lang="en-US" smtClean="0"/>
-              <a:t>3/31/2019</a:t>
+              <a:t>4/1/2019</a:t>
             </a:fld>
             <a:endParaRPr lang="en-US"/>
           </a:p>
@@ -3067,7 +3067,7 @@
           <a:p>
             <a:fld id="{78C97017-6FC3-485B-9764-EAC9E56C1D49}" type="datetimeFigureOut">
               <a:rPr lang="en-US" smtClean="0"/>
-              <a:t>3/31/2019</a:t>
+              <a:t>4/1/2019</a:t>
             </a:fld>
             <a:endParaRPr lang="en-US"/>
           </a:p>
@@ -3450,8 +3450,8 @@
         </p:nvSpPr>
         <p:spPr>
           <a:xfrm>
-            <a:off x="494222" y="2138519"/>
-            <a:ext cx="8534400" cy="3080918"/>
+            <a:off x="364819" y="1864577"/>
+            <a:ext cx="8900436" cy="4130940"/>
           </a:xfrm>
           <a:prstGeom prst="roundRect">
             <a:avLst>
@@ -4619,9 +4619,9 @@
           <p:nvPr/>
         </p:nvCxnSpPr>
         <p:spPr>
-          <a:xfrm rot="16200000" flipV="1">
-            <a:off x="7862109" y="2962707"/>
-            <a:ext cx="390076" cy="3758"/>
+          <a:xfrm rot="5400000" flipH="1" flipV="1">
+            <a:off x="8111292" y="2769794"/>
+            <a:ext cx="337565" cy="442097"/>
           </a:xfrm>
           <a:prstGeom prst="bentConnector3">
             <a:avLst>
@@ -4658,7 +4658,7 @@
         </p:nvSpPr>
         <p:spPr>
           <a:xfrm>
-            <a:off x="7291136" y="2422788"/>
+            <a:off x="7736991" y="2475299"/>
             <a:ext cx="1528264" cy="346760"/>
           </a:xfrm>
           <a:prstGeom prst="rect">
@@ -4818,7 +4818,7 @@
         </p:nvSpPr>
         <p:spPr>
           <a:xfrm>
-            <a:off x="6507954" y="4016150"/>
+            <a:off x="5535178" y="3942542"/>
             <a:ext cx="1528264" cy="346760"/>
           </a:xfrm>
           <a:prstGeom prst="rect">
@@ -4878,17 +4878,19 @@
           <p:cNvCxnSpPr>
             <a:cxnSpLocks/>
             <a:stCxn id="66" idx="2"/>
-            <a:endCxn id="34" idx="1"/>
+            <a:endCxn id="34" idx="0"/>
           </p:cNvCxnSpPr>
           <p:nvPr/>
         </p:nvCxnSpPr>
         <p:spPr>
-          <a:xfrm rot="16200000" flipH="1">
-            <a:off x="6062452" y="3744028"/>
-            <a:ext cx="682360" cy="208643"/>
-          </a:xfrm>
-          <a:prstGeom prst="bentConnector2">
-            <a:avLst/>
+          <a:xfrm rot="5400000">
+            <a:off x="6081625" y="3724856"/>
+            <a:ext cx="435372" cy="1"/>
+          </a:xfrm>
+          <a:prstGeom prst="bentConnector3">
+            <a:avLst>
+              <a:gd name="adj1" fmla="val 50000"/>
+            </a:avLst>
           </a:prstGeom>
           <a:ln w="19050">
             <a:prstDash val="sysDot"/>
@@ -4926,7 +4928,7 @@
         </p:nvSpPr>
         <p:spPr>
           <a:xfrm>
-            <a:off x="7311544" y="4701238"/>
+            <a:off x="6759885" y="4724674"/>
             <a:ext cx="1548064" cy="346760"/>
           </a:xfrm>
           <a:prstGeom prst="rect">
@@ -4992,8 +4994,8 @@
         </p:nvCxnSpPr>
         <p:spPr>
           <a:xfrm rot="16200000" flipH="1">
-            <a:off x="7509667" y="4125329"/>
-            <a:ext cx="338328" cy="813490"/>
+            <a:off x="6698927" y="3889684"/>
+            <a:ext cx="435372" cy="1234607"/>
           </a:xfrm>
           <a:prstGeom prst="bentConnector3">
             <a:avLst>
@@ -5033,20 +5035,18 @@
           </p:cNvPr>
           <p:cNvCxnSpPr>
             <a:cxnSpLocks/>
-            <a:stCxn id="34" idx="0"/>
+            <a:stCxn id="34" idx="3"/>
             <a:endCxn id="74" idx="2"/>
           </p:cNvCxnSpPr>
           <p:nvPr/>
         </p:nvCxnSpPr>
         <p:spPr>
-          <a:xfrm rot="5400000" flipH="1" flipV="1">
-            <a:off x="7410673" y="3367797"/>
-            <a:ext cx="509766" cy="786940"/>
-          </a:xfrm>
-          <a:prstGeom prst="bentConnector3">
-            <a:avLst>
-              <a:gd name="adj1" fmla="val 44394"/>
-            </a:avLst>
+          <a:xfrm flipV="1">
+            <a:off x="7063442" y="3506384"/>
+            <a:ext cx="995584" cy="609538"/>
+          </a:xfrm>
+          <a:prstGeom prst="bentConnector2">
+            <a:avLst/>
           </a:prstGeom>
           <a:ln w="19050">
             <a:prstDash val="sysDot"/>
@@ -5084,7 +5084,7 @@
         </p:nvSpPr>
         <p:spPr>
           <a:xfrm>
-            <a:off x="5351600" y="4693769"/>
+            <a:off x="4013439" y="4724674"/>
             <a:ext cx="1548064" cy="346760"/>
           </a:xfrm>
           <a:prstGeom prst="rect">
@@ -5150,8 +5150,228 @@
         </p:nvCxnSpPr>
         <p:spPr>
           <a:xfrm rot="5400000">
-            <a:off x="6533430" y="3955112"/>
-            <a:ext cx="330859" cy="1146454"/>
+            <a:off x="5325705" y="3751069"/>
+            <a:ext cx="435372" cy="1511839"/>
+          </a:xfrm>
+          <a:prstGeom prst="bentConnector3">
+            <a:avLst>
+              <a:gd name="adj1" fmla="val 50000"/>
+            </a:avLst>
+          </a:prstGeom>
+          <a:ln w="19050">
+            <a:prstDash val="sysDot"/>
+            <a:headEnd type="none" w="med" len="med"/>
+            <a:tailEnd type="arrow" w="med" len="med"/>
+          </a:ln>
+          <a:effectLst/>
+        </p:spPr>
+        <p:style>
+          <a:lnRef idx="1">
+            <a:schemeClr val="accent6"/>
+          </a:lnRef>
+          <a:fillRef idx="2">
+            <a:schemeClr val="accent6"/>
+          </a:fillRef>
+          <a:effectRef idx="1">
+            <a:schemeClr val="accent6"/>
+          </a:effectRef>
+          <a:fontRef idx="minor">
+            <a:schemeClr val="dk1"/>
+          </a:fontRef>
+        </p:style>
+      </p:cxnSp>
+      <p:sp>
+        <p:nvSpPr>
+          <p:cNvPr id="62" name="Rectangle 8">
+            <a:extLst>
+              <a:ext uri="{FF2B5EF4-FFF2-40B4-BE49-F238E27FC236}">
+                <a16:creationId xmlns:a16="http://schemas.microsoft.com/office/drawing/2014/main" id="{FF4DB398-F61B-45A8-802D-D150DB2034F8}"/>
+              </a:ext>
+            </a:extLst>
+          </p:cNvPr>
+          <p:cNvSpPr/>
+          <p:nvPr/>
+        </p:nvSpPr>
+        <p:spPr>
+          <a:xfrm>
+            <a:off x="5763617" y="2475299"/>
+            <a:ext cx="1765114" cy="346760"/>
+          </a:xfrm>
+          <a:prstGeom prst="rect">
+            <a:avLst/>
+          </a:prstGeom>
+          <a:ln w="19050"/>
+          <a:effectLst/>
+        </p:spPr>
+        <p:style>
+          <a:lnRef idx="1">
+            <a:schemeClr val="accent6"/>
+          </a:lnRef>
+          <a:fillRef idx="2">
+            <a:schemeClr val="accent6"/>
+          </a:fillRef>
+          <a:effectRef idx="1">
+            <a:schemeClr val="accent6"/>
+          </a:effectRef>
+          <a:fontRef idx="minor">
+            <a:schemeClr val="dk1"/>
+          </a:fontRef>
+        </p:style>
+        <p:txBody>
+          <a:bodyPr rtlCol="0" anchor="ctr"/>
+          <a:lstStyle/>
+          <a:p>
+            <a:pPr algn="ctr"/>
+            <a:r>
+              <a:rPr lang="en-US" sz="1050" b="1" dirty="0" err="1">
+                <a:solidFill>
+                  <a:schemeClr val="accent6">
+                    <a:lumMod val="75000"/>
+                  </a:schemeClr>
+                </a:solidFill>
+              </a:rPr>
+              <a:t>JsonAdaptedProjectName</a:t>
+            </a:r>
+            <a:endParaRPr lang="en-SG" sz="1050" b="1" dirty="0">
+              <a:solidFill>
+                <a:schemeClr val="accent6">
+                  <a:lumMod val="75000"/>
+                </a:schemeClr>
+              </a:solidFill>
+            </a:endParaRPr>
+          </a:p>
+        </p:txBody>
+      </p:sp>
+      <p:cxnSp>
+        <p:nvCxnSpPr>
+          <p:cNvPr id="63" name="Elbow Connector 122">
+            <a:extLst>
+              <a:ext uri="{FF2B5EF4-FFF2-40B4-BE49-F238E27FC236}">
+                <a16:creationId xmlns:a16="http://schemas.microsoft.com/office/drawing/2014/main" id="{911AA036-1B71-4112-9EA9-52C5D0C747FC}"/>
+              </a:ext>
+            </a:extLst>
+          </p:cNvPr>
+          <p:cNvCxnSpPr>
+            <a:cxnSpLocks/>
+            <a:stCxn id="74" idx="0"/>
+            <a:endCxn id="62" idx="2"/>
+          </p:cNvCxnSpPr>
+          <p:nvPr/>
+        </p:nvCxnSpPr>
+        <p:spPr>
+          <a:xfrm rot="16200000" flipV="1">
+            <a:off x="7183818" y="2284416"/>
+            <a:ext cx="337565" cy="1412852"/>
+          </a:xfrm>
+          <a:prstGeom prst="bentConnector3">
+            <a:avLst>
+              <a:gd name="adj1" fmla="val 50000"/>
+            </a:avLst>
+          </a:prstGeom>
+          <a:ln w="19050">
+            <a:prstDash val="sysDot"/>
+            <a:headEnd type="none" w="med" len="med"/>
+            <a:tailEnd type="arrow" w="med" len="med"/>
+          </a:ln>
+          <a:effectLst/>
+        </p:spPr>
+        <p:style>
+          <a:lnRef idx="1">
+            <a:schemeClr val="accent6"/>
+          </a:lnRef>
+          <a:fillRef idx="2">
+            <a:schemeClr val="accent6"/>
+          </a:fillRef>
+          <a:effectRef idx="1">
+            <a:schemeClr val="accent6"/>
+          </a:effectRef>
+          <a:fontRef idx="minor">
+            <a:schemeClr val="dk1"/>
+          </a:fontRef>
+        </p:style>
+      </p:cxnSp>
+      <p:sp>
+        <p:nvSpPr>
+          <p:cNvPr id="67" name="Rectangle 8">
+            <a:extLst>
+              <a:ext uri="{FF2B5EF4-FFF2-40B4-BE49-F238E27FC236}">
+                <a16:creationId xmlns:a16="http://schemas.microsoft.com/office/drawing/2014/main" id="{940F2A44-9867-47F2-922F-71BB9059A364}"/>
+              </a:ext>
+            </a:extLst>
+          </p:cNvPr>
+          <p:cNvSpPr/>
+          <p:nvPr/>
+        </p:nvSpPr>
+        <p:spPr>
+          <a:xfrm>
+            <a:off x="6754699" y="5368240"/>
+            <a:ext cx="1548064" cy="346760"/>
+          </a:xfrm>
+          <a:prstGeom prst="rect">
+            <a:avLst/>
+          </a:prstGeom>
+          <a:ln w="19050"/>
+          <a:effectLst/>
+        </p:spPr>
+        <p:style>
+          <a:lnRef idx="1">
+            <a:schemeClr val="accent6"/>
+          </a:lnRef>
+          <a:fillRef idx="2">
+            <a:schemeClr val="accent6"/>
+          </a:fillRef>
+          <a:effectRef idx="1">
+            <a:schemeClr val="accent6"/>
+          </a:effectRef>
+          <a:fontRef idx="minor">
+            <a:schemeClr val="dk1"/>
+          </a:fontRef>
+        </p:style>
+        <p:txBody>
+          <a:bodyPr rtlCol="0" anchor="ctr"/>
+          <a:lstStyle/>
+          <a:p>
+            <a:pPr algn="ctr"/>
+            <a:r>
+              <a:rPr lang="en-US" sz="1050" b="1" dirty="0" err="1">
+                <a:solidFill>
+                  <a:schemeClr val="accent6">
+                    <a:lumMod val="75000"/>
+                  </a:schemeClr>
+                </a:solidFill>
+              </a:rPr>
+              <a:t>JsonAdaptedProjectTask</a:t>
+            </a:r>
+            <a:endParaRPr lang="en-SG" sz="1050" b="1" dirty="0">
+              <a:solidFill>
+                <a:schemeClr val="accent6">
+                  <a:lumMod val="75000"/>
+                </a:schemeClr>
+              </a:solidFill>
+            </a:endParaRPr>
+          </a:p>
+        </p:txBody>
+      </p:sp>
+      <p:cxnSp>
+        <p:nvCxnSpPr>
+          <p:cNvPr id="68" name="Elbow Connector 122">
+            <a:extLst>
+              <a:ext uri="{FF2B5EF4-FFF2-40B4-BE49-F238E27FC236}">
+                <a16:creationId xmlns:a16="http://schemas.microsoft.com/office/drawing/2014/main" id="{62CF3D44-45F5-46A1-8A43-21090BF29C70}"/>
+              </a:ext>
+            </a:extLst>
+          </p:cNvPr>
+          <p:cNvCxnSpPr>
+            <a:cxnSpLocks/>
+            <a:stCxn id="43" idx="2"/>
+            <a:endCxn id="67" idx="0"/>
+          </p:cNvCxnSpPr>
+          <p:nvPr/>
+        </p:nvCxnSpPr>
+        <p:spPr>
+          <a:xfrm rot="5400000">
+            <a:off x="7382921" y="5217244"/>
+            <a:ext cx="296806" cy="5186"/>
           </a:xfrm>
           <a:prstGeom prst="bentConnector3">
             <a:avLst>
